--- a/ProgressPresentation.pptx
+++ b/ProgressPresentation.pptx
@@ -8,8 +8,9 @@
     <p:sldId id="256" r:id="rId2"/>
     <p:sldId id="257" r:id="rId3"/>
     <p:sldId id="260" r:id="rId4"/>
-    <p:sldId id="258" r:id="rId5"/>
-    <p:sldId id="259" r:id="rId6"/>
+    <p:sldId id="261" r:id="rId5"/>
+    <p:sldId id="258" r:id="rId6"/>
+    <p:sldId id="259" r:id="rId7"/>
   </p:sldIdLst>
   <p:sldSz cx="9144000" cy="6858000" type="screen4x3"/>
   <p:notesSz cx="6858000" cy="9144000"/>
@@ -108,6 +109,22 @@
       </a:defRPr>
     </a:lvl9pPr>
   </p:defaultTextStyle>
+  <p:extLst>
+    <p:ext uri="{EFAFB233-063F-42B5-8137-9DF3F51BA10A}">
+      <p15:sldGuideLst xmlns:p15="http://schemas.microsoft.com/office/powerpoint/2012/main">
+        <p15:guide id="1" orient="horz" pos="2160">
+          <p15:clr>
+            <a:srgbClr val="A4A3A4"/>
+          </p15:clr>
+        </p15:guide>
+        <p15:guide id="2" pos="2880">
+          <p15:clr>
+            <a:srgbClr val="A4A3A4"/>
+          </p15:clr>
+        </p15:guide>
+      </p15:sldGuideLst>
+    </p:ext>
+  </p:extLst>
 </p:presentation>
 </file>
 
@@ -292,7 +309,7 @@
           <a:p>
             <a:fld id="{D023B9A6-1401-8146-B1E0-68F9A6E10A84}" type="datetimeFigureOut">
               <a:rPr lang="en-US" smtClean="0"/>
-              <a:t>18/05/16</a:t>
+              <a:t>5/18/16</a:t>
             </a:fld>
             <a:endParaRPr lang="en-US"/>
           </a:p>
@@ -462,7 +479,7 @@
           <a:p>
             <a:fld id="{D023B9A6-1401-8146-B1E0-68F9A6E10A84}" type="datetimeFigureOut">
               <a:rPr lang="en-US" smtClean="0"/>
-              <a:t>18/05/16</a:t>
+              <a:t>5/18/16</a:t>
             </a:fld>
             <a:endParaRPr lang="en-US"/>
           </a:p>
@@ -642,7 +659,7 @@
           <a:p>
             <a:fld id="{D023B9A6-1401-8146-B1E0-68F9A6E10A84}" type="datetimeFigureOut">
               <a:rPr lang="en-US" smtClean="0"/>
-              <a:t>18/05/16</a:t>
+              <a:t>5/18/16</a:t>
             </a:fld>
             <a:endParaRPr lang="en-US"/>
           </a:p>
@@ -812,7 +829,7 @@
           <a:p>
             <a:fld id="{D023B9A6-1401-8146-B1E0-68F9A6E10A84}" type="datetimeFigureOut">
               <a:rPr lang="en-US" smtClean="0"/>
-              <a:t>18/05/16</a:t>
+              <a:t>5/18/16</a:t>
             </a:fld>
             <a:endParaRPr lang="en-US"/>
           </a:p>
@@ -1058,7 +1075,7 @@
           <a:p>
             <a:fld id="{D023B9A6-1401-8146-B1E0-68F9A6E10A84}" type="datetimeFigureOut">
               <a:rPr lang="en-US" smtClean="0"/>
-              <a:t>18/05/16</a:t>
+              <a:t>5/18/16</a:t>
             </a:fld>
             <a:endParaRPr lang="en-US"/>
           </a:p>
@@ -1346,7 +1363,7 @@
           <a:p>
             <a:fld id="{D023B9A6-1401-8146-B1E0-68F9A6E10A84}" type="datetimeFigureOut">
               <a:rPr lang="en-US" smtClean="0"/>
-              <a:t>18/05/16</a:t>
+              <a:t>5/18/16</a:t>
             </a:fld>
             <a:endParaRPr lang="en-US"/>
           </a:p>
@@ -1768,7 +1785,7 @@
           <a:p>
             <a:fld id="{D023B9A6-1401-8146-B1E0-68F9A6E10A84}" type="datetimeFigureOut">
               <a:rPr lang="en-US" smtClean="0"/>
-              <a:t>18/05/16</a:t>
+              <a:t>5/18/16</a:t>
             </a:fld>
             <a:endParaRPr lang="en-US"/>
           </a:p>
@@ -1886,7 +1903,7 @@
           <a:p>
             <a:fld id="{D023B9A6-1401-8146-B1E0-68F9A6E10A84}" type="datetimeFigureOut">
               <a:rPr lang="en-US" smtClean="0"/>
-              <a:t>18/05/16</a:t>
+              <a:t>5/18/16</a:t>
             </a:fld>
             <a:endParaRPr lang="en-US"/>
           </a:p>
@@ -1981,7 +1998,7 @@
           <a:p>
             <a:fld id="{D023B9A6-1401-8146-B1E0-68F9A6E10A84}" type="datetimeFigureOut">
               <a:rPr lang="en-US" smtClean="0"/>
-              <a:t>18/05/16</a:t>
+              <a:t>5/18/16</a:t>
             </a:fld>
             <a:endParaRPr lang="en-US"/>
           </a:p>
@@ -2258,7 +2275,7 @@
           <a:p>
             <a:fld id="{D023B9A6-1401-8146-B1E0-68F9A6E10A84}" type="datetimeFigureOut">
               <a:rPr lang="en-US" smtClean="0"/>
-              <a:t>18/05/16</a:t>
+              <a:t>5/18/16</a:t>
             </a:fld>
             <a:endParaRPr lang="en-US"/>
           </a:p>
@@ -2511,7 +2528,7 @@
           <a:p>
             <a:fld id="{D023B9A6-1401-8146-B1E0-68F9A6E10A84}" type="datetimeFigureOut">
               <a:rPr lang="en-US" smtClean="0"/>
-              <a:t>18/05/16</a:t>
+              <a:t>5/18/16</a:t>
             </a:fld>
             <a:endParaRPr lang="en-US"/>
           </a:p>
@@ -2724,7 +2741,7 @@
           <a:p>
             <a:fld id="{D023B9A6-1401-8146-B1E0-68F9A6E10A84}" type="datetimeFigureOut">
               <a:rPr lang="en-US" smtClean="0"/>
-              <a:t>18/05/16</a:t>
+              <a:t>5/18/16</a:t>
             </a:fld>
             <a:endParaRPr lang="en-US"/>
           </a:p>
@@ -3533,13 +3550,8 @@
           <a:p>
             <a:r>
               <a:rPr lang="en-US" dirty="0" smtClean="0"/>
-              <a:t>Browsing of the product catalog</a:t>
-            </a:r>
-            <a:r>
-              <a:rPr lang="en-US" dirty="0" smtClean="0"/>
-              <a:t>(WZ)</a:t>
-            </a:r>
-            <a:endParaRPr lang="en-US" dirty="0" smtClean="0"/>
+              <a:t>Browsing of the product catalog(WZ)</a:t>
+            </a:r>
           </a:p>
           <a:p>
             <a:r>
@@ -3689,164 +3701,40 @@
           <a:chExt cx="0" cy="0"/>
         </a:xfrm>
       </p:grpSpPr>
-      <p:sp>
-        <p:nvSpPr>
-          <p:cNvPr id="2" name="Title 1"/>
-          <p:cNvSpPr>
-            <a:spLocks noGrp="1"/>
-          </p:cNvSpPr>
-          <p:nvPr>
-            <p:ph type="title"/>
-          </p:nvPr>
-        </p:nvSpPr>
-        <p:spPr/>
-        <p:txBody>
-          <a:bodyPr/>
-          <a:lstStyle/>
-          <a:p>
-            <a:r>
-              <a:rPr lang="en-US" dirty="0" smtClean="0"/>
-              <a:t>Server</a:t>
-            </a:r>
-            <a:r>
-              <a:rPr lang="zh-CN" altLang="en-US" dirty="0" smtClean="0"/>
-              <a:t> </a:t>
-            </a:r>
-            <a:r>
-              <a:rPr lang="en-US" altLang="zh-CN" dirty="0" smtClean="0"/>
-              <a:t>Development</a:t>
-            </a:r>
-            <a:endParaRPr lang="en-US" dirty="0"/>
-          </a:p>
-        </p:txBody>
-      </p:sp>
-      <p:sp>
-        <p:nvSpPr>
-          <p:cNvPr id="3" name="Content Placeholder 2"/>
-          <p:cNvSpPr>
-            <a:spLocks noGrp="1"/>
-          </p:cNvSpPr>
-          <p:nvPr>
-            <p:ph idx="1"/>
-          </p:nvPr>
-        </p:nvSpPr>
-        <p:spPr/>
-        <p:txBody>
-          <a:bodyPr/>
-          <a:lstStyle/>
-          <a:p>
-            <a:r>
-              <a:rPr lang="en-US" dirty="0"/>
-              <a:t>Host </a:t>
-            </a:r>
-            <a:r>
-              <a:rPr lang="en-US" dirty="0" smtClean="0"/>
-              <a:t>the </a:t>
-            </a:r>
-            <a:r>
-              <a:rPr lang="en-US" dirty="0"/>
-              <a:t>server application </a:t>
-            </a:r>
-            <a:r>
-              <a:rPr lang="en-US" dirty="0" smtClean="0"/>
-              <a:t>on</a:t>
-            </a:r>
-            <a:r>
-              <a:rPr lang="zh-CN" altLang="en-US" dirty="0" smtClean="0"/>
-              <a:t> </a:t>
-            </a:r>
-            <a:r>
-              <a:rPr lang="en-US" altLang="zh-CN" dirty="0" smtClean="0"/>
-              <a:t>cloud</a:t>
-            </a:r>
-            <a:r>
-              <a:rPr lang="zh-CN" altLang="en-US" dirty="0" smtClean="0"/>
-              <a:t> </a:t>
-            </a:r>
-            <a:r>
-              <a:rPr lang="en-US" altLang="zh-CN" dirty="0" smtClean="0"/>
-              <a:t>service(CV)</a:t>
-            </a:r>
-          </a:p>
-          <a:p>
-            <a:r>
-              <a:rPr lang="en-US" dirty="0"/>
-              <a:t>HTTPS </a:t>
-            </a:r>
-            <a:r>
-              <a:rPr lang="en-US" altLang="zh-CN" dirty="0" smtClean="0"/>
-              <a:t>(CV)</a:t>
-            </a:r>
-            <a:endParaRPr lang="en-US" dirty="0"/>
-          </a:p>
-          <a:p>
-            <a:r>
-              <a:rPr lang="en-US" dirty="0" smtClean="0"/>
-              <a:t>Caching</a:t>
-            </a:r>
-            <a:r>
-              <a:rPr lang="en-US" altLang="zh-CN" dirty="0" smtClean="0"/>
-              <a:t>(CV)</a:t>
-            </a:r>
-            <a:endParaRPr lang="en-US" dirty="0"/>
-          </a:p>
-          <a:p>
-            <a:r>
-              <a:rPr lang="en-US" dirty="0"/>
-              <a:t>Evaluate and measure the </a:t>
-            </a:r>
-            <a:r>
-              <a:rPr lang="en-US" dirty="0" smtClean="0"/>
-              <a:t>performance</a:t>
-            </a:r>
-            <a:r>
-              <a:rPr lang="en-US" altLang="zh-CN" dirty="0" smtClean="0"/>
-              <a:t>(CV)</a:t>
-            </a:r>
-            <a:endParaRPr lang="en-US" dirty="0" smtClean="0"/>
-          </a:p>
-          <a:p>
-            <a:r>
-              <a:rPr lang="en-US" dirty="0" err="1" smtClean="0"/>
-              <a:t>RESTful</a:t>
-            </a:r>
-            <a:r>
-              <a:rPr lang="zh-CN" altLang="en-US" dirty="0" smtClean="0"/>
-              <a:t> </a:t>
-            </a:r>
-            <a:r>
-              <a:rPr lang="en-US" altLang="zh-CN" dirty="0" smtClean="0"/>
-              <a:t>API</a:t>
-            </a:r>
-            <a:r>
-              <a:rPr lang="zh-CN" altLang="en-US" dirty="0" smtClean="0"/>
-              <a:t> </a:t>
-            </a:r>
-            <a:r>
-              <a:rPr lang="en-US" altLang="zh-CN" dirty="0" smtClean="0"/>
-              <a:t>interface design</a:t>
-            </a:r>
-            <a:r>
-              <a:rPr lang="en-US" altLang="zh-CN" dirty="0" smtClean="0"/>
-              <a:t>(CV)</a:t>
-            </a:r>
-            <a:endParaRPr lang="en-US" dirty="0"/>
-          </a:p>
-          <a:p>
-            <a:pPr marL="0" indent="0">
-              <a:buNone/>
-            </a:pPr>
-            <a:endParaRPr lang="en-US" dirty="0"/>
-          </a:p>
-          <a:p>
-            <a:endParaRPr lang="en-US" dirty="0"/>
-          </a:p>
-        </p:txBody>
-      </p:sp>
+      <p:pic>
+        <p:nvPicPr>
+          <p:cNvPr id="4" name="图片 3"/>
+          <p:cNvPicPr>
+            <a:picLocks noChangeAspect="1"/>
+          </p:cNvPicPr>
+          <p:nvPr/>
+        </p:nvPicPr>
+        <p:blipFill>
+          <a:blip r:embed="rId2">
+            <a:extLst>
+              <a:ext uri="{28A0092B-C50C-407E-A947-70E740481C1C}">
+                <a14:useLocalDpi xmlns:a14="http://schemas.microsoft.com/office/drawing/2010/main" val="0"/>
+              </a:ext>
+            </a:extLst>
+          </a:blip>
+          <a:stretch>
+            <a:fillRect/>
+          </a:stretch>
+        </p:blipFill>
+        <p:spPr>
+          <a:xfrm>
+            <a:off x="1431560" y="-294727"/>
+            <a:ext cx="4804347" cy="7152727"/>
+          </a:xfrm>
+          <a:prstGeom prst="rect">
+            <a:avLst/>
+          </a:prstGeom>
+        </p:spPr>
+      </p:pic>
     </p:spTree>
     <p:extLst>
       <p:ext uri="{BB962C8B-B14F-4D97-AF65-F5344CB8AC3E}">
-        <p14:creationId xmlns:p14="http://schemas.microsoft.com/office/powerpoint/2010/main" val="2800009750"/>
+        <p14:creationId xmlns:p14="http://schemas.microsoft.com/office/powerpoint/2010/main" val="1365142680"/>
       </p:ext>
     </p:extLst>
   </p:cSld>
@@ -3890,11 +3778,187 @@
           <a:p>
             <a:r>
               <a:rPr lang="en-US" dirty="0" smtClean="0"/>
-              <a:t>Database</a:t>
+              <a:t>Server</a:t>
+            </a:r>
+            <a:r>
+              <a:rPr lang="zh-CN" altLang="en-US" dirty="0" smtClean="0"/>
+              <a:t> </a:t>
+            </a:r>
+            <a:r>
+              <a:rPr lang="en-US" altLang="zh-CN" dirty="0" smtClean="0"/>
+              <a:t>Development</a:t>
+            </a:r>
+            <a:endParaRPr lang="en-US" dirty="0"/>
+          </a:p>
+        </p:txBody>
+      </p:sp>
+      <p:sp>
+        <p:nvSpPr>
+          <p:cNvPr id="3" name="Content Placeholder 2"/>
+          <p:cNvSpPr>
+            <a:spLocks noGrp="1"/>
+          </p:cNvSpPr>
+          <p:nvPr>
+            <p:ph idx="1"/>
+          </p:nvPr>
+        </p:nvSpPr>
+        <p:spPr/>
+        <p:txBody>
+          <a:bodyPr/>
+          <a:lstStyle/>
+          <a:p>
+            <a:r>
+              <a:rPr lang="en-US" dirty="0"/>
+              <a:t>Host </a:t>
             </a:r>
             <a:r>
               <a:rPr lang="en-US" dirty="0" smtClean="0"/>
-              <a:t> Management</a:t>
+              <a:t>the </a:t>
+            </a:r>
+            <a:r>
+              <a:rPr lang="en-US" dirty="0"/>
+              <a:t>server application </a:t>
+            </a:r>
+            <a:r>
+              <a:rPr lang="en-US" dirty="0" smtClean="0"/>
+              <a:t>on</a:t>
+            </a:r>
+            <a:r>
+              <a:rPr lang="zh-CN" altLang="en-US" dirty="0" smtClean="0"/>
+              <a:t> </a:t>
+            </a:r>
+            <a:r>
+              <a:rPr lang="en-US" altLang="zh-CN" dirty="0" smtClean="0"/>
+              <a:t>cloud</a:t>
+            </a:r>
+            <a:r>
+              <a:rPr lang="zh-CN" altLang="en-US" dirty="0" smtClean="0"/>
+              <a:t> </a:t>
+            </a:r>
+            <a:r>
+              <a:rPr lang="en-US" altLang="zh-CN" dirty="0" smtClean="0"/>
+              <a:t>service(CV)</a:t>
+            </a:r>
+          </a:p>
+          <a:p>
+            <a:r>
+              <a:rPr lang="en-US" dirty="0"/>
+              <a:t>HTTPS </a:t>
+            </a:r>
+            <a:r>
+              <a:rPr lang="en-US" altLang="zh-CN" dirty="0" smtClean="0"/>
+              <a:t>(CV)</a:t>
+            </a:r>
+            <a:endParaRPr lang="en-US" dirty="0"/>
+          </a:p>
+          <a:p>
+            <a:r>
+              <a:rPr lang="en-US" dirty="0" smtClean="0"/>
+              <a:t>Caching</a:t>
+            </a:r>
+            <a:r>
+              <a:rPr lang="en-US" altLang="zh-CN" dirty="0" smtClean="0"/>
+              <a:t>(CV)</a:t>
+            </a:r>
+            <a:endParaRPr lang="en-US" dirty="0"/>
+          </a:p>
+          <a:p>
+            <a:r>
+              <a:rPr lang="en-US" dirty="0"/>
+              <a:t>Evaluate and measure the </a:t>
+            </a:r>
+            <a:r>
+              <a:rPr lang="en-US" dirty="0" smtClean="0"/>
+              <a:t>performance</a:t>
+            </a:r>
+            <a:r>
+              <a:rPr lang="en-US" altLang="zh-CN" dirty="0" smtClean="0"/>
+              <a:t>(CV)</a:t>
+            </a:r>
+            <a:endParaRPr lang="en-US" dirty="0" smtClean="0"/>
+          </a:p>
+          <a:p>
+            <a:r>
+              <a:rPr lang="en-US" dirty="0" err="1" smtClean="0"/>
+              <a:t>RESTful</a:t>
+            </a:r>
+            <a:r>
+              <a:rPr lang="zh-CN" altLang="en-US" dirty="0" smtClean="0"/>
+              <a:t> </a:t>
+            </a:r>
+            <a:r>
+              <a:rPr lang="en-US" altLang="zh-CN" dirty="0" smtClean="0"/>
+              <a:t>API</a:t>
+            </a:r>
+            <a:r>
+              <a:rPr lang="zh-CN" altLang="en-US" dirty="0" smtClean="0"/>
+              <a:t> </a:t>
+            </a:r>
+            <a:r>
+              <a:rPr lang="en-US" altLang="zh-CN" dirty="0" smtClean="0"/>
+              <a:t>interface design(CV)</a:t>
+            </a:r>
+            <a:endParaRPr lang="en-US" dirty="0"/>
+          </a:p>
+          <a:p>
+            <a:pPr marL="0" indent="0">
+              <a:buNone/>
+            </a:pPr>
+            <a:endParaRPr lang="en-US" dirty="0"/>
+          </a:p>
+          <a:p>
+            <a:endParaRPr lang="en-US" dirty="0"/>
+          </a:p>
+        </p:txBody>
+      </p:sp>
+    </p:spTree>
+    <p:extLst>
+      <p:ext uri="{BB962C8B-B14F-4D97-AF65-F5344CB8AC3E}">
+        <p14:creationId xmlns:p14="http://schemas.microsoft.com/office/powerpoint/2010/main" val="2800009750"/>
+      </p:ext>
+    </p:extLst>
+  </p:cSld>
+  <p:clrMapOvr>
+    <a:masterClrMapping/>
+  </p:clrMapOvr>
+</p:sld>
+</file>
+
+<file path=ppt/slides/slide6.xml><?xml version="1.0" encoding="utf-8"?>
+<p:sld xmlns:a="http://schemas.openxmlformats.org/drawingml/2006/main" xmlns:r="http://schemas.openxmlformats.org/officeDocument/2006/relationships" xmlns:p="http://schemas.openxmlformats.org/presentationml/2006/main">
+  <p:cSld>
+    <p:spTree>
+      <p:nvGrpSpPr>
+        <p:cNvPr id="1" name=""/>
+        <p:cNvGrpSpPr/>
+        <p:nvPr/>
+      </p:nvGrpSpPr>
+      <p:grpSpPr>
+        <a:xfrm>
+          <a:off x="0" y="0"/>
+          <a:ext cx="0" cy="0"/>
+          <a:chOff x="0" y="0"/>
+          <a:chExt cx="0" cy="0"/>
+        </a:xfrm>
+      </p:grpSpPr>
+      <p:sp>
+        <p:nvSpPr>
+          <p:cNvPr id="2" name="Title 1"/>
+          <p:cNvSpPr>
+            <a:spLocks noGrp="1"/>
+          </p:cNvSpPr>
+          <p:nvPr>
+            <p:ph type="title"/>
+          </p:nvPr>
+        </p:nvSpPr>
+        <p:spPr/>
+        <p:txBody>
+          <a:bodyPr/>
+          <a:lstStyle/>
+          <a:p>
+            <a:r>
+              <a:rPr lang="en-US" dirty="0" smtClean="0"/>
+              <a:t>Database Management</a:t>
             </a:r>
             <a:endParaRPr lang="en-US" dirty="0"/>
           </a:p>
@@ -3944,8 +4008,15 @@
             </a:r>
             <a:r>
               <a:rPr lang="en-US" dirty="0" smtClean="0"/>
-              <a:t>(WZ)</a:t>
-            </a:r>
+              <a:t>(WZ</a:t>
+            </a:r>
+            <a:r>
+              <a:rPr lang="en-US" dirty="0" smtClean="0"/>
+              <a:t>)</a:t>
+            </a:r>
+          </a:p>
+          <a:p>
+            <a:endParaRPr lang="en-US" dirty="0" smtClean="0"/>
           </a:p>
         </p:txBody>
       </p:sp>
